--- a/artifacts/arch/AI_Hyperpersonalization_Presentation_AtificalAIAgents.pptx
+++ b/artifacts/arch/AI_Hyperpersonalization_Presentation_AtificalAIAgents.pptx
@@ -568,7 +568,7 @@
             </a:ln>
             <a:extLst>
               <a:ext uri="{91240B29-F687-4f45-9708-019B960494DF}">
-                <a14:hiddenLine xmlns:a14="http://schemas.microsoft.com/office/drawing/2010/main" xmlns="" w="9525">
+                <a14:hiddenLine xmlns="" xmlns:a14="http://schemas.microsoft.com/office/drawing/2010/main" w="9525">
                   <a:solidFill>
                     <a:srgbClr val="000000"/>
                   </a:solidFill>
@@ -1649,7 +1649,7 @@
             </a:ln>
             <a:extLst>
               <a:ext uri="{91240B29-F687-4f45-9708-019B960494DF}">
-                <a14:hiddenLine xmlns:a14="http://schemas.microsoft.com/office/drawing/2010/main" xmlns="" w="9525">
+                <a14:hiddenLine xmlns="" xmlns:a14="http://schemas.microsoft.com/office/drawing/2010/main" w="9525">
                   <a:solidFill>
                     <a:srgbClr val="000000"/>
                   </a:solidFill>
@@ -2735,7 +2735,7 @@
             </a:ln>
             <a:extLst>
               <a:ext uri="{91240B29-F687-4f45-9708-019B960494DF}">
-                <a14:hiddenLine xmlns:a14="http://schemas.microsoft.com/office/drawing/2010/main" xmlns="" w="9525">
+                <a14:hiddenLine xmlns="" xmlns:a14="http://schemas.microsoft.com/office/drawing/2010/main" w="9525">
                   <a:solidFill>
                     <a:srgbClr val="000000"/>
                   </a:solidFill>
@@ -3696,7 +3696,7 @@
             </a:ln>
             <a:extLst>
               <a:ext uri="{91240B29-F687-4f45-9708-019B960494DF}">
-                <a14:hiddenLine xmlns:a14="http://schemas.microsoft.com/office/drawing/2010/main" xmlns="" w="9525">
+                <a14:hiddenLine xmlns="" xmlns:a14="http://schemas.microsoft.com/office/drawing/2010/main" w="9525">
                   <a:solidFill>
                     <a:srgbClr val="000000"/>
                   </a:solidFill>
@@ -4811,7 +4811,7 @@
             </a:ln>
             <a:extLst>
               <a:ext uri="{91240B29-F687-4f45-9708-019B960494DF}">
-                <a14:hiddenLine xmlns:a14="http://schemas.microsoft.com/office/drawing/2010/main" xmlns="" w="9525">
+                <a14:hiddenLine xmlns="" xmlns:a14="http://schemas.microsoft.com/office/drawing/2010/main" w="9525">
                   <a:solidFill>
                     <a:srgbClr val="000000"/>
                   </a:solidFill>
@@ -7560,7 +7560,7 @@
           </a:ln>
           <a:extLst>
             <a:ext uri="{91240B29-F687-4f45-9708-019B960494DF}">
-              <a14:hiddenLine xmlns:a14="http://schemas.microsoft.com/office/drawing/2010/main" xmlns="" w="9525">
+              <a14:hiddenLine xmlns="" xmlns:a14="http://schemas.microsoft.com/office/drawing/2010/main" w="9525">
                 <a:solidFill>
                   <a:srgbClr val="000000"/>
                 </a:solidFill>
@@ -8735,7 +8735,7 @@
             </a:ln>
             <a:extLst>
               <a:ext uri="{91240B29-F687-4f45-9708-019B960494DF}">
-                <a14:hiddenLine xmlns:a14="http://schemas.microsoft.com/office/drawing/2010/main" xmlns="" w="9525">
+                <a14:hiddenLine xmlns="" xmlns:a14="http://schemas.microsoft.com/office/drawing/2010/main" w="9525">
                   <a:solidFill>
                     <a:srgbClr val="000000"/>
                   </a:solidFill>
@@ -10703,7 +10703,7 @@
             </a:ln>
             <a:extLst>
               <a:ext uri="{91240B29-F687-4f45-9708-019B960494DF}">
-                <a14:hiddenLine xmlns:a14="http://schemas.microsoft.com/office/drawing/2010/main" xmlns="" w="9525">
+                <a14:hiddenLine xmlns="" xmlns:a14="http://schemas.microsoft.com/office/drawing/2010/main" w="9525">
                   <a:solidFill>
                     <a:srgbClr val="000000"/>
                   </a:solidFill>
@@ -11761,7 +11761,7 @@
             </a:ln>
             <a:extLst>
               <a:ext uri="{91240B29-F687-4f45-9708-019B960494DF}">
-                <a14:hiddenLine xmlns:a14="http://schemas.microsoft.com/office/drawing/2010/main" xmlns="" w="9525">
+                <a14:hiddenLine xmlns="" xmlns:a14="http://schemas.microsoft.com/office/drawing/2010/main" w="9525">
                   <a:solidFill>
                     <a:srgbClr val="000000"/>
                   </a:solidFill>
@@ -12811,7 +12811,7 @@
             </a:ln>
             <a:extLst>
               <a:ext uri="{91240B29-F687-4f45-9708-019B960494DF}">
-                <a14:hiddenLine xmlns:a14="http://schemas.microsoft.com/office/drawing/2010/main" xmlns="" w="9525">
+                <a14:hiddenLine xmlns="" xmlns:a14="http://schemas.microsoft.com/office/drawing/2010/main" w="9525">
                   <a:solidFill>
                     <a:srgbClr val="000000"/>
                   </a:solidFill>
@@ -13521,7 +13521,12 @@
             <p:ph type="ctrTitle"/>
           </p:nvPr>
         </p:nvSpPr>
-        <p:spPr/>
+        <p:spPr>
+          <a:xfrm>
+            <a:off x="704088" y="694645"/>
+            <a:ext cx="8915400" cy="2550877"/>
+          </a:xfrm>
+        </p:spPr>
         <p:txBody>
           <a:bodyPr/>
           <a:lstStyle/>
@@ -13543,9 +13548,16 @@
             <p:ph type="subTitle" idx="1"/>
           </p:nvPr>
         </p:nvSpPr>
-        <p:spPr/>
+        <p:spPr>
+          <a:xfrm>
+            <a:off x="1106424" y="3272356"/>
+            <a:ext cx="7772400" cy="3063539"/>
+          </a:xfrm>
+        </p:spPr>
         <p:txBody>
-          <a:bodyPr/>
+          <a:bodyPr>
+            <a:normAutofit/>
+          </a:bodyPr>
           <a:lstStyle/>
           <a:p>
             <a:r>
@@ -13560,17 +13572,94 @@
           </a:p>
           <a:p>
             <a:r>
+              <a:rPr lang="en-US" dirty="0"/>
+              <a:t>Team member : </a:t>
+            </a:r>
+            <a:r>
               <a:rPr dirty="0"/>
-              <a:t>Sanjana,</a:t>
-            </a:r>
+              <a:t>Sanjana</a:t>
+            </a:r>
+            <a:r>
+              <a:rPr lang="en-US" dirty="0"/>
+              <a:t> rao</a:t>
+            </a:r>
+            <a:r>
+              <a:rPr dirty="0"/>
+              <a:t>,</a:t>
+            </a:r>
+            <a:endParaRPr lang="en-US" dirty="0"/>
+          </a:p>
+          <a:p>
             <a:r>
               <a:rPr lang="en-IN" dirty="0"/>
-              <a:t> Neela,</a:t>
+              <a:t> </a:t>
+            </a:r>
+            <a:r>
+              <a:rPr lang="en-IN" dirty="0" err="1"/>
+              <a:t>Neelamai</a:t>
+            </a:r>
+            <a:r>
+              <a:rPr lang="en-IN" dirty="0"/>
+              <a:t> d,</a:t>
             </a:r>
             <a:r>
               <a:rPr dirty="0"/>
-              <a:t> Param, Mallappa, Abha</a:t>
-            </a:r>
+              <a:t> </a:t>
+            </a:r>
+            <a:endParaRPr lang="en-US" dirty="0"/>
+          </a:p>
+          <a:p>
+            <a:r>
+              <a:rPr dirty="0"/>
+              <a:t>Param</a:t>
+            </a:r>
+            <a:r>
+              <a:rPr lang="en-US" dirty="0"/>
+              <a:t>eswara </a:t>
+            </a:r>
+            <a:r>
+              <a:rPr lang="en-US" dirty="0" err="1"/>
+              <a:t>chatta</a:t>
+            </a:r>
+            <a:r>
+              <a:rPr dirty="0"/>
+              <a:t>, </a:t>
+            </a:r>
+            <a:endParaRPr lang="en-US" dirty="0"/>
+          </a:p>
+          <a:p>
+            <a:r>
+              <a:rPr dirty="0"/>
+              <a:t>Mallappa</a:t>
+            </a:r>
+            <a:r>
+              <a:rPr lang="en-US" dirty="0"/>
+              <a:t> </a:t>
+            </a:r>
+            <a:r>
+              <a:rPr lang="en-US" dirty="0" err="1"/>
+              <a:t>sajjan</a:t>
+            </a:r>
+            <a:r>
+              <a:rPr dirty="0"/>
+              <a:t>, </a:t>
+            </a:r>
+            <a:endParaRPr lang="en-US" dirty="0"/>
+          </a:p>
+          <a:p>
+            <a:r>
+              <a:rPr dirty="0"/>
+              <a:t>Abha</a:t>
+            </a:r>
+            <a:r>
+              <a:rPr lang="en-US" dirty="0"/>
+              <a:t> </a:t>
+            </a:r>
+            <a:r>
+              <a:rPr lang="en-US" dirty="0" err="1"/>
+              <a:t>gupta</a:t>
+            </a:r>
+            <a:endParaRPr dirty="0"/>
           </a:p>
         </p:txBody>
       </p:sp>
@@ -13615,6 +13704,7 @@
           <a:lstStyle/>
           <a:p>
             <a:r>
+              <a:rPr dirty="0"/>
               <a:t>Future Scope</a:t>
             </a:r>
           </a:p>
@@ -13636,26 +13726,30 @@
           <a:lstStyle/>
           <a:p>
             <a:r>
-              <a:t>• Reinforcement learning for smarter personalization.</a:t>
-            </a:r>
-          </a:p>
-          <a:p>
-            <a:r>
-              <a:t>• LLM fine-tuning for better goal understanding.</a:t>
-            </a:r>
-          </a:p>
-          <a:p>
-            <a:r>
-              <a:t>• A/B testing different recommendation strategies.</a:t>
-            </a:r>
-          </a:p>
-          <a:p>
-            <a:r>
-              <a:t>• Integration with CRM platforms and real-time scoring APIs.</a:t>
-            </a:r>
-          </a:p>
-          <a:p>
-            <a:endParaRPr/>
+              <a:rPr dirty="0"/>
+              <a:t> Reinforcement learning for smarter personalization.</a:t>
+            </a:r>
+          </a:p>
+          <a:p>
+            <a:r>
+              <a:rPr dirty="0"/>
+              <a:t> LLM fine-tuning for better goal understanding.</a:t>
+            </a:r>
+          </a:p>
+          <a:p>
+            <a:r>
+              <a:rPr dirty="0"/>
+              <a:t> A/B testing different recommendation strategies.</a:t>
+            </a:r>
+          </a:p>
+          <a:p>
+            <a:r>
+              <a:rPr dirty="0"/>
+              <a:t>Integration with CRM platforms and real-time scoring APIs.</a:t>
+            </a:r>
+          </a:p>
+          <a:p>
+            <a:endParaRPr dirty="0"/>
           </a:p>
         </p:txBody>
       </p:sp>
@@ -13723,19 +13817,19 @@
           <a:p>
             <a:r>
               <a:rPr dirty="0"/>
-              <a:t>• Customers demand real-time, personalized experiences.</a:t>
+              <a:t>Customers demand real-time, personalized experiences.</a:t>
             </a:r>
           </a:p>
           <a:p>
             <a:r>
               <a:rPr dirty="0"/>
-              <a:t>• Financial institutions need to align offerings with behavior and intent.</a:t>
+              <a:t>Financial institutions need to align offerings with behavior and intent.</a:t>
             </a:r>
           </a:p>
           <a:p>
             <a:r>
               <a:rPr dirty="0"/>
-              <a:t>• AI and multi-modal data enable hyper-personalization at scale.</a:t>
+              <a:t>AI and multi-modal data enable hyper-personalization at scale.</a:t>
             </a:r>
           </a:p>
           <a:p>
@@ -13784,6 +13878,7 @@
           <a:lstStyle/>
           <a:p>
             <a:r>
+              <a:rPr dirty="0"/>
               <a:t>Our Solution</a:t>
             </a:r>
           </a:p>
@@ -13805,26 +13900,50 @@
           <a:lstStyle/>
           <a:p>
             <a:r>
-              <a:t>• Unified data from customer profiles, transactions, and sentiment.</a:t>
-            </a:r>
-          </a:p>
-          <a:p>
-            <a:r>
-              <a:t>• AI models used: KMeans, DistilBERT, Whisper, BLIP.</a:t>
-            </a:r>
-          </a:p>
-          <a:p>
-            <a:r>
-              <a:t>• Rule-based and NLP-driven recommendation engine.</a:t>
-            </a:r>
-          </a:p>
-          <a:p>
-            <a:r>
-              <a:t>• Interactive dashboard for exploration and insights.</a:t>
-            </a:r>
-          </a:p>
-          <a:p>
-            <a:endParaRPr/>
+              <a:rPr dirty="0"/>
+              <a:t>Unified data from customer profiles, transactions, and sentiment.</a:t>
+            </a:r>
+          </a:p>
+          <a:p>
+            <a:r>
+              <a:rPr dirty="0"/>
+              <a:t>AI models used: </a:t>
+            </a:r>
+            <a:r>
+              <a:rPr dirty="0" err="1"/>
+              <a:t>KMeans</a:t>
+            </a:r>
+            <a:r>
+              <a:rPr dirty="0"/>
+              <a:t>, </a:t>
+            </a:r>
+            <a:r>
+              <a:rPr dirty="0" err="1"/>
+              <a:t>DistilBERT</a:t>
+            </a:r>
+            <a:r>
+              <a:rPr dirty="0"/>
+              <a:t>, Whisper, BLIP.</a:t>
+            </a:r>
+          </a:p>
+          <a:p>
+            <a:r>
+              <a:rPr dirty="0"/>
+              <a:t>Rule-based and NLP-driven recommendation engine.</a:t>
+            </a:r>
+          </a:p>
+          <a:p>
+            <a:r>
+              <a:rPr lang="en-US" dirty="0"/>
+              <a:t>I</a:t>
+            </a:r>
+            <a:r>
+              <a:rPr dirty="0"/>
+              <a:t>nteractive dashboard for exploration and insights.</a:t>
+            </a:r>
+          </a:p>
+          <a:p>
+            <a:endParaRPr dirty="0"/>
           </a:p>
         </p:txBody>
       </p:sp>
@@ -13869,6 +13988,7 @@
           <a:lstStyle/>
           <a:p>
             <a:r>
+              <a:rPr dirty="0"/>
               <a:t>Data Pipeline</a:t>
             </a:r>
           </a:p>
@@ -13890,26 +14010,38 @@
           <a:lstStyle/>
           <a:p>
             <a:r>
-              <a:t>• Customer Profiles (Org + Individual): Demographics, Needs, Preferences</a:t>
-            </a:r>
-          </a:p>
-          <a:p>
-            <a:r>
-              <a:t>• Transaction History: Aggregated spend, frequency, categories</a:t>
-            </a:r>
-          </a:p>
-          <a:p>
-            <a:r>
-              <a:t>• Social Media: Post content, timestamp, platform, intent, sentiment</a:t>
-            </a:r>
-          </a:p>
-          <a:p>
-            <a:r>
-              <a:t>• Data merged using unique Customer_Id for unified modeling</a:t>
-            </a:r>
-          </a:p>
-          <a:p>
-            <a:endParaRPr/>
+              <a:rPr dirty="0"/>
+              <a:t>Customer Profiles (Org + Individual): Demographics, Needs, Preferences</a:t>
+            </a:r>
+          </a:p>
+          <a:p>
+            <a:r>
+              <a:rPr dirty="0"/>
+              <a:t> Transaction History: Aggregated spend, frequency, categories</a:t>
+            </a:r>
+          </a:p>
+          <a:p>
+            <a:r>
+              <a:rPr dirty="0"/>
+              <a:t> Social Media: Post content, timestamp, platform, intent, sentiment</a:t>
+            </a:r>
+          </a:p>
+          <a:p>
+            <a:r>
+              <a:rPr dirty="0"/>
+              <a:t>Data merged using unique </a:t>
+            </a:r>
+            <a:r>
+              <a:rPr dirty="0" err="1"/>
+              <a:t>Customer_Id</a:t>
+            </a:r>
+            <a:r>
+              <a:rPr dirty="0"/>
+              <a:t> for unified modeling</a:t>
+            </a:r>
+          </a:p>
+          <a:p>
+            <a:endParaRPr dirty="0"/>
           </a:p>
         </p:txBody>
       </p:sp>
@@ -13954,6 +14086,7 @@
           <a:lstStyle/>
           <a:p>
             <a:r>
+              <a:rPr dirty="0"/>
               <a:t>AI Components &amp; Models</a:t>
             </a:r>
           </a:p>
@@ -13975,26 +14108,42 @@
           <a:lstStyle/>
           <a:p>
             <a:r>
-              <a:t>• KMeans: Customer segmentation by financial behavior</a:t>
-            </a:r>
-          </a:p>
-          <a:p>
-            <a:r>
-              <a:t>• DistilBERT: Transformer-based sentiment scoring</a:t>
-            </a:r>
-          </a:p>
-          <a:p>
-            <a:r>
-              <a:t>• Whisper: Voice-to-text for customer goals</a:t>
-            </a:r>
-          </a:p>
-          <a:p>
-            <a:r>
-              <a:t>• BLIP: Image captioning to understand shared product context</a:t>
-            </a:r>
-          </a:p>
-          <a:p>
-            <a:endParaRPr/>
+              <a:rPr dirty="0"/>
+              <a:t> </a:t>
+            </a:r>
+            <a:r>
+              <a:rPr dirty="0" err="1"/>
+              <a:t>KMeans</a:t>
+            </a:r>
+            <a:r>
+              <a:rPr dirty="0"/>
+              <a:t>: Customer segmentation by financial behavior</a:t>
+            </a:r>
+          </a:p>
+          <a:p>
+            <a:r>
+              <a:rPr dirty="0" err="1"/>
+              <a:t>DistilBERT</a:t>
+            </a:r>
+            <a:r>
+              <a:rPr dirty="0"/>
+              <a:t>: Transformer-based sentiment scoring</a:t>
+            </a:r>
+          </a:p>
+          <a:p>
+            <a:r>
+              <a:rPr dirty="0"/>
+              <a:t> Whisper: Voice-to-text for customer goals</a:t>
+            </a:r>
+          </a:p>
+          <a:p>
+            <a:r>
+              <a:rPr dirty="0"/>
+              <a:t> BLIP: Image captioning to understand shared product context</a:t>
+            </a:r>
+          </a:p>
+          <a:p>
+            <a:endParaRPr dirty="0"/>
           </a:p>
         </p:txBody>
       </p:sp>
@@ -14039,6 +14188,7 @@
           <a:lstStyle/>
           <a:p>
             <a:r>
+              <a:rPr dirty="0"/>
               <a:t>Key Findings</a:t>
             </a:r>
           </a:p>
@@ -14060,26 +14210,38 @@
           <a:lstStyle/>
           <a:p>
             <a:r>
-              <a:t>• Churn risk correlates with negative sentiment and low spend.</a:t>
-            </a:r>
-          </a:p>
-          <a:p>
-            <a:r>
-              <a:t>• Peer-based recommendations increase adoption by 15-20%.</a:t>
-            </a:r>
-          </a:p>
-          <a:p>
-            <a:r>
-              <a:t>• Positive sentiment boosts responsiveness to premium offers.</a:t>
-            </a:r>
-          </a:p>
-          <a:p>
-            <a:r>
-              <a:t>• Behavioral segments show clear patterns in product uptake.</a:t>
-            </a:r>
-          </a:p>
-          <a:p>
-            <a:endParaRPr/>
+              <a:rPr dirty="0"/>
+              <a:t>Churn risk correlates with negative sentiment and</a:t>
+            </a:r>
+            <a:r>
+              <a:rPr lang="en-US" dirty="0"/>
+              <a:t> </a:t>
+            </a:r>
+            <a:r>
+              <a:rPr dirty="0"/>
+              <a:t>low spend.</a:t>
+            </a:r>
+          </a:p>
+          <a:p>
+            <a:r>
+              <a:rPr dirty="0"/>
+              <a:t> Peer-based recommendations increase adoption by 15-20%.</a:t>
+            </a:r>
+          </a:p>
+          <a:p>
+            <a:r>
+              <a:rPr dirty="0"/>
+              <a:t>Positive sentiment boosts responsiveness to premium offers.</a:t>
+            </a:r>
+          </a:p>
+          <a:p>
+            <a:r>
+              <a:rPr dirty="0"/>
+              <a:t>Behavioral segments show clear patterns in product uptake.</a:t>
+            </a:r>
+          </a:p>
+          <a:p>
+            <a:endParaRPr dirty="0"/>
           </a:p>
         </p:txBody>
       </p:sp>
@@ -14124,6 +14286,7 @@
           <a:lstStyle/>
           <a:p>
             <a:r>
+              <a:rPr dirty="0"/>
               <a:t>Challenges Faced</a:t>
             </a:r>
           </a:p>
@@ -14145,26 +14308,30 @@
           <a:lstStyle/>
           <a:p>
             <a:r>
-              <a:t>• Aligning multi-source data across formats and types.</a:t>
-            </a:r>
-          </a:p>
-          <a:p>
-            <a:r>
-              <a:t>• Avoiding bias in sentiment analysis and clustering.</a:t>
-            </a:r>
-          </a:p>
-          <a:p>
-            <a:r>
-              <a:t>• Integrating multi-modal inputs into a unified interface.</a:t>
-            </a:r>
-          </a:p>
-          <a:p>
-            <a:r>
-              <a:t>• Balancing rule-based vs model-driven recommendations.</a:t>
-            </a:r>
-          </a:p>
-          <a:p>
-            <a:endParaRPr/>
+              <a:rPr dirty="0"/>
+              <a:t>Aligning multi-source data across formats and types.</a:t>
+            </a:r>
+          </a:p>
+          <a:p>
+            <a:r>
+              <a:rPr dirty="0"/>
+              <a:t>Avoiding bias in sentiment analysis and clustering.</a:t>
+            </a:r>
+          </a:p>
+          <a:p>
+            <a:r>
+              <a:rPr dirty="0"/>
+              <a:t> Integrating multi-modal inputs into a unified interface.</a:t>
+            </a:r>
+          </a:p>
+          <a:p>
+            <a:r>
+              <a:rPr dirty="0"/>
+              <a:t> Balancing rule-based vs model-driven recommendations.</a:t>
+            </a:r>
+          </a:p>
+          <a:p>
+            <a:endParaRPr dirty="0"/>
           </a:p>
         </p:txBody>
       </p:sp>
@@ -14209,6 +14376,7 @@
           <a:lstStyle/>
           <a:p>
             <a:r>
+              <a:rPr dirty="0"/>
               <a:t>Evaluation &amp; Results</a:t>
             </a:r>
           </a:p>
@@ -14230,26 +14398,35 @@
           <a:lstStyle/>
           <a:p>
             <a:r>
-              <a:t>• Churn prediction model accuracy: ~89% (Random Forest)</a:t>
-            </a:r>
-          </a:p>
-          <a:p>
-            <a:r>
-              <a:t>• Sentiment model matches VADER ~87%, BERT ~92%</a:t>
-            </a:r>
-          </a:p>
-          <a:p>
-            <a:r>
-              <a:t>• Real-time scoring enabled in dashboard via Streamlit</a:t>
-            </a:r>
-          </a:p>
-          <a:p>
-            <a:r>
-              <a:t>• Successful generation of dynamic personalized outputs</a:t>
-            </a:r>
-          </a:p>
-          <a:p>
-            <a:endParaRPr/>
+              <a:rPr dirty="0"/>
+              <a:t> Churn prediction model accuracy: ~89% (Random Forest)</a:t>
+            </a:r>
+          </a:p>
+          <a:p>
+            <a:r>
+              <a:rPr dirty="0"/>
+              <a:t> Sentiment model matches VADER ~87%, BERT ~92%</a:t>
+            </a:r>
+          </a:p>
+          <a:p>
+            <a:r>
+              <a:rPr dirty="0"/>
+              <a:t> Real-time scoring enabled in dashboard via </a:t>
+            </a:r>
+            <a:r>
+              <a:rPr dirty="0" err="1"/>
+              <a:t>Streamlit</a:t>
+            </a:r>
+            <a:endParaRPr dirty="0"/>
+          </a:p>
+          <a:p>
+            <a:r>
+              <a:rPr dirty="0"/>
+              <a:t>Successful generation of dynamic personalized outputs</a:t>
+            </a:r>
+          </a:p>
+          <a:p>
+            <a:endParaRPr dirty="0"/>
           </a:p>
         </p:txBody>
       </p:sp>
@@ -14294,6 +14471,7 @@
           <a:lstStyle/>
           <a:p>
             <a:r>
+              <a:rPr dirty="0"/>
               <a:t>Business Strategy Recommendations</a:t>
             </a:r>
           </a:p>
@@ -14315,26 +14493,30 @@
           <a:lstStyle/>
           <a:p>
             <a:r>
-              <a:t>• Deploy churn prevention plans for high-risk segments.</a:t>
-            </a:r>
-          </a:p>
-          <a:p>
-            <a:r>
-              <a:t>• Personalize product offerings by sentiment + spend trends.</a:t>
-            </a:r>
-          </a:p>
-          <a:p>
-            <a:r>
-              <a:t>• Use voice/image input to create inclusive user interfaces.</a:t>
-            </a:r>
-          </a:p>
-          <a:p>
-            <a:r>
-              <a:t>• Build GenAI workflows for real-time customer engagement.</a:t>
-            </a:r>
-          </a:p>
-          <a:p>
-            <a:endParaRPr/>
+              <a:rPr dirty="0"/>
+              <a:t> Deploy churn prevention plans for high-risk segments.</a:t>
+            </a:r>
+          </a:p>
+          <a:p>
+            <a:r>
+              <a:rPr dirty="0"/>
+              <a:t> Personalize product offerings by sentiment + spend trends.</a:t>
+            </a:r>
+          </a:p>
+          <a:p>
+            <a:r>
+              <a:rPr dirty="0"/>
+              <a:t> Use voice/image input to create inclusive user interfaces.</a:t>
+            </a:r>
+          </a:p>
+          <a:p>
+            <a:r>
+              <a:rPr dirty="0"/>
+              <a:t> Build GenAI workflows for real-time customer engagement.</a:t>
+            </a:r>
+          </a:p>
+          <a:p>
+            <a:endParaRPr dirty="0"/>
           </a:p>
         </p:txBody>
       </p:sp>
@@ -14608,4 +14790,39 @@
     </a:ext>
   </a:extLst>
 </a:theme>
+</file>
+
+<file path=ppt/webextensions/taskpanes.xml><?xml version="1.0" encoding="utf-8"?>
+<wetp:taskpanes xmlns:wetp="http://schemas.microsoft.com/office/webextensions/taskpanes/2010/11">
+  <wetp:taskpane dockstate="right" visibility="0" width="350" row="0">
+    <wetp:webextensionref xmlns:r="http://schemas.openxmlformats.org/officeDocument/2006/relationships" r:id="rId1"/>
+  </wetp:taskpane>
+  <wetp:taskpane dockstate="right" visibility="0" width="350" row="1">
+    <wetp:webextensionref xmlns:r="http://schemas.openxmlformats.org/officeDocument/2006/relationships" r:id="rId2"/>
+  </wetp:taskpane>
+</wetp:taskpanes>
+</file>
+
+<file path=ppt/webextensions/webextension1.xml><?xml version="1.0" encoding="utf-8"?>
+<we:webextension xmlns:we="http://schemas.microsoft.com/office/webextensions/webextension/2010/11" id="{6022B148-FA11-48E8-B9DE-7128E8FB769C}">
+  <we:reference id="wa200005566" version="3.0.0.2" store="en-US" storeType="OMEX"/>
+  <we:alternateReferences>
+    <we:reference id="wa200005566" version="3.0.0.2" store="wa200005566" storeType="OMEX"/>
+  </we:alternateReferences>
+  <we:properties/>
+  <we:bindings/>
+  <we:snapshot xmlns:r="http://schemas.openxmlformats.org/officeDocument/2006/relationships"/>
+</we:webextension>
+</file>
+
+<file path=ppt/webextensions/webextension2.xml><?xml version="1.0" encoding="utf-8"?>
+<we:webextension xmlns:we="http://schemas.microsoft.com/office/webextensions/webextension/2010/11" id="{C52C4760-E499-42D1-8457-287076E6DF18}">
+  <we:reference id="wa104380518" version="3.7.0.0" store="en-US" storeType="OMEX"/>
+  <we:alternateReferences>
+    <we:reference id="wa104380518" version="3.7.0.0" store="wa104380518" storeType="OMEX"/>
+  </we:alternateReferences>
+  <we:properties/>
+  <we:bindings/>
+  <we:snapshot xmlns:r="http://schemas.openxmlformats.org/officeDocument/2006/relationships"/>
+</we:webextension>
 </file>